--- a/知的財産権とは.pptx
+++ b/知的財産権とは.pptx
@@ -2844,8 +2844,8 @@
           <a:solidFill>
             <a:schemeClr val="tx1"/>
           </a:solidFill>
-          <a:latin typeface="+mj-lt"/>
-          <a:ea typeface="+mj-ea"/>
+          <a:latin typeface="ＭＳ Ｐゴシック"/>
+          <a:ea typeface="ＭＳ Ｐゴシック"/>
           <a:cs typeface="+mj-cs"/>
         </a:defRPr>
       </a:lvl1pPr>
@@ -2861,8 +2861,8 @@
           <a:solidFill>
             <a:schemeClr val="tx1"/>
           </a:solidFill>
-          <a:latin typeface="+mn-lt"/>
-          <a:ea typeface="+mn-ea"/>
+          <a:latin typeface="ＭＳ Ｐゴシック"/>
+          <a:ea typeface="ＭＳ Ｐゴシック"/>
           <a:cs typeface="+mn-cs"/>
         </a:defRPr>
       </a:lvl1pPr>
@@ -2876,8 +2876,8 @@
           <a:solidFill>
             <a:schemeClr val="tx1"/>
           </a:solidFill>
-          <a:latin typeface="+mn-lt"/>
-          <a:ea typeface="+mn-ea"/>
+          <a:latin typeface="ＭＳ Ｐゴシック"/>
+          <a:ea typeface="ＭＳ Ｐゴシック"/>
           <a:cs typeface="+mn-cs"/>
         </a:defRPr>
       </a:lvl2pPr>
@@ -2891,8 +2891,8 @@
           <a:solidFill>
             <a:schemeClr val="tx1"/>
           </a:solidFill>
-          <a:latin typeface="+mn-lt"/>
-          <a:ea typeface="+mn-ea"/>
+          <a:latin typeface="ＭＳ Ｐゴシック"/>
+          <a:ea typeface="ＭＳ Ｐゴシック"/>
           <a:cs typeface="+mn-cs"/>
         </a:defRPr>
       </a:lvl3pPr>
@@ -2906,8 +2906,8 @@
           <a:solidFill>
             <a:schemeClr val="tx1"/>
           </a:solidFill>
-          <a:latin typeface="+mn-lt"/>
-          <a:ea typeface="+mn-ea"/>
+          <a:latin typeface="ＭＳ Ｐゴシック"/>
+          <a:ea typeface="ＭＳ Ｐゴシック"/>
           <a:cs typeface="+mn-cs"/>
         </a:defRPr>
       </a:lvl4pPr>
@@ -2921,8 +2921,8 @@
           <a:solidFill>
             <a:schemeClr val="tx1"/>
           </a:solidFill>
-          <a:latin typeface="+mn-lt"/>
-          <a:ea typeface="+mn-ea"/>
+          <a:latin typeface="ＭＳ Ｐゴシック"/>
+          <a:ea typeface="ＭＳ Ｐゴシック"/>
           <a:cs typeface="+mn-cs"/>
         </a:defRPr>
       </a:lvl5pPr>
@@ -2936,8 +2936,8 @@
           <a:solidFill>
             <a:schemeClr val="tx1"/>
           </a:solidFill>
-          <a:latin typeface="+mn-lt"/>
-          <a:ea typeface="+mn-ea"/>
+          <a:latin typeface="ＭＳ Ｐゴシック"/>
+          <a:ea typeface="ＭＳ Ｐゴシック"/>
           <a:cs typeface="+mn-cs"/>
         </a:defRPr>
       </a:lvl6pPr>
@@ -2951,8 +2951,8 @@
           <a:solidFill>
             <a:schemeClr val="tx1"/>
           </a:solidFill>
-          <a:latin typeface="+mn-lt"/>
-          <a:ea typeface="+mn-ea"/>
+          <a:latin typeface="ＭＳ Ｐゴシック"/>
+          <a:ea typeface="ＭＳ Ｐゴシック"/>
           <a:cs typeface="+mn-cs"/>
         </a:defRPr>
       </a:lvl7pPr>
@@ -2966,8 +2966,8 @@
           <a:solidFill>
             <a:schemeClr val="tx1"/>
           </a:solidFill>
-          <a:latin typeface="+mn-lt"/>
-          <a:ea typeface="+mn-ea"/>
+          <a:latin typeface="ＭＳ Ｐゴシック"/>
+          <a:ea typeface="ＭＳ Ｐゴシック"/>
           <a:cs typeface="+mn-cs"/>
         </a:defRPr>
       </a:lvl8pPr>
@@ -2981,8 +2981,8 @@
           <a:solidFill>
             <a:schemeClr val="tx1"/>
           </a:solidFill>
-          <a:latin typeface="+mn-lt"/>
-          <a:ea typeface="+mn-ea"/>
+          <a:latin typeface="ＭＳ Ｐゴシック"/>
+          <a:ea typeface="ＭＳ Ｐゴシック"/>
           <a:cs typeface="+mn-cs"/>
         </a:defRPr>
       </a:lvl9pPr>
@@ -2996,8 +2996,8 @@
           <a:solidFill>
             <a:schemeClr val="tx1"/>
           </a:solidFill>
-          <a:latin typeface="+mn-lt"/>
-          <a:ea typeface="+mn-ea"/>
+          <a:latin typeface="ＭＳ Ｐゴシック"/>
+          <a:ea typeface="ＭＳ Ｐゴシック"/>
           <a:cs typeface="+mn-cs"/>
         </a:defRPr>
       </a:lvl1pPr>
@@ -3006,8 +3006,8 @@
           <a:solidFill>
             <a:schemeClr val="tx1"/>
           </a:solidFill>
-          <a:latin typeface="+mn-lt"/>
-          <a:ea typeface="+mn-ea"/>
+          <a:latin typeface="ＭＳ Ｐゴシック"/>
+          <a:ea typeface="ＭＳ Ｐゴシック"/>
           <a:cs typeface="+mn-cs"/>
         </a:defRPr>
       </a:lvl2pPr>
@@ -3016,8 +3016,8 @@
           <a:solidFill>
             <a:schemeClr val="tx1"/>
           </a:solidFill>
-          <a:latin typeface="+mn-lt"/>
-          <a:ea typeface="+mn-ea"/>
+          <a:latin typeface="ＭＳ Ｐゴシック"/>
+          <a:ea typeface="ＭＳ Ｐゴシック"/>
           <a:cs typeface="+mn-cs"/>
         </a:defRPr>
       </a:lvl3pPr>
@@ -3026,8 +3026,8 @@
           <a:solidFill>
             <a:schemeClr val="tx1"/>
           </a:solidFill>
-          <a:latin typeface="+mn-lt"/>
-          <a:ea typeface="+mn-ea"/>
+          <a:latin typeface="ＭＳ Ｐゴシック"/>
+          <a:ea typeface="ＭＳ Ｐゴシック"/>
           <a:cs typeface="+mn-cs"/>
         </a:defRPr>
       </a:lvl4pPr>
@@ -3036,8 +3036,8 @@
           <a:solidFill>
             <a:schemeClr val="tx1"/>
           </a:solidFill>
-          <a:latin typeface="+mn-lt"/>
-          <a:ea typeface="+mn-ea"/>
+          <a:latin typeface="ＭＳ Ｐゴシック"/>
+          <a:ea typeface="ＭＳ Ｐゴシック"/>
           <a:cs typeface="+mn-cs"/>
         </a:defRPr>
       </a:lvl5pPr>
@@ -3046,8 +3046,8 @@
           <a:solidFill>
             <a:schemeClr val="tx1"/>
           </a:solidFill>
-          <a:latin typeface="+mn-lt"/>
-          <a:ea typeface="+mn-ea"/>
+          <a:latin typeface="ＭＳ Ｐゴシック"/>
+          <a:ea typeface="ＭＳ Ｐゴシック"/>
           <a:cs typeface="+mn-cs"/>
         </a:defRPr>
       </a:lvl6pPr>
@@ -3056,8 +3056,8 @@
           <a:solidFill>
             <a:schemeClr val="tx1"/>
           </a:solidFill>
-          <a:latin typeface="+mn-lt"/>
-          <a:ea typeface="+mn-ea"/>
+          <a:latin typeface="ＭＳ Ｐゴシック"/>
+          <a:ea typeface="ＭＳ Ｐゴシック"/>
           <a:cs typeface="+mn-cs"/>
         </a:defRPr>
       </a:lvl7pPr>
@@ -3066,8 +3066,8 @@
           <a:solidFill>
             <a:schemeClr val="tx1"/>
           </a:solidFill>
-          <a:latin typeface="+mn-lt"/>
-          <a:ea typeface="+mn-ea"/>
+          <a:latin typeface="ＭＳ Ｐゴシック"/>
+          <a:ea typeface="ＭＳ Ｐゴシック"/>
           <a:cs typeface="+mn-cs"/>
         </a:defRPr>
       </a:lvl8pPr>
@@ -3076,8 +3076,8 @@
           <a:solidFill>
             <a:schemeClr val="tx1"/>
           </a:solidFill>
-          <a:latin typeface="+mn-lt"/>
-          <a:ea typeface="+mn-ea"/>
+          <a:latin typeface="ＭＳ Ｐゴシック"/>
+          <a:ea typeface="ＭＳ Ｐゴシック"/>
           <a:cs typeface="+mn-cs"/>
         </a:defRPr>
       </a:lvl9pPr>
@@ -3169,6 +3169,10 @@
               </a:defRPr>
             </a:pPr>
             <a:r>
+              <a:rPr lang="ja-JP" dirty="0">
+                <a:latin typeface="ＭＳ Ｐゴシック"/>
+                <a:ea typeface="ＭＳ Ｐゴシック"/>
+              </a:rPr>
               <a:t>知的財産権とは</a:t>
             </a:r>
           </a:p>
@@ -3204,6 +3208,10 @@
               </a:defRPr>
             </a:pPr>
             <a:r>
+              <a:rPr lang="ja-JP" dirty="0">
+                <a:latin typeface="ＭＳ Ｐゴシック"/>
+                <a:ea typeface="ＭＳ Ｐゴシック"/>
+              </a:rPr>
               <a:t>Intellectual Property Rights</a:t>
             </a:r>
           </a:p>
@@ -3239,6 +3247,10 @@
               </a:defRPr>
             </a:pPr>
             <a:r>
+              <a:rPr lang="ja-JP" dirty="0">
+                <a:latin typeface="ＭＳ Ｐゴシック"/>
+                <a:ea typeface="ＭＳ Ｐゴシック"/>
+              </a:rPr>
               <a:t>人が作ったものの利益を保護するための権利</a:t>
             </a:r>
           </a:p>
@@ -3343,6 +3355,10 @@
               </a:defRPr>
             </a:pPr>
             <a:r>
+              <a:rPr lang="ja-JP" dirty="0">
+                <a:latin typeface="ＭＳ Ｐゴシック"/>
+                <a:ea typeface="ＭＳ Ｐゴシック"/>
+              </a:rPr>
               <a:t>知的財産権とは</a:t>
             </a:r>
           </a:p>
@@ -3378,6 +3394,10 @@
               </a:defRPr>
             </a:pPr>
             <a:r>
+              <a:rPr lang="ja-JP" dirty="0">
+                <a:latin typeface="ＭＳ Ｐゴシック"/>
+                <a:ea typeface="ＭＳ Ｐゴシック"/>
+              </a:rPr>
               <a:t>人が作ったものの利益を保護するための権利</a:t>
             </a:r>
           </a:p>
@@ -3413,10 +3433,18 @@
               </a:defRPr>
             </a:pPr>
             <a:r>
+              <a:rPr lang="ja-JP" dirty="0">
+                <a:latin typeface="ＭＳ Ｐゴシック"/>
+                <a:ea typeface="ＭＳ Ｐゴシック"/>
+              </a:rPr>
               <a:t>知的財産権は、創造的な活動によって生み出された成果物に対して、</a:t>
             </a:r>
             <a:br/>
             <a:r>
+              <a:rPr lang="ja-JP" dirty="0">
+                <a:latin typeface="ＭＳ Ｐゴシック"/>
+                <a:ea typeface="ＭＳ Ｐゴシック"/>
+              </a:rPr>
               <a:t>その創作者が持つ法的な権利を指します。</a:t>
             </a:r>
           </a:p>
@@ -3521,6 +3549,10 @@
               </a:defRPr>
             </a:pPr>
             <a:r>
+              <a:rPr lang="ja-JP" dirty="0">
+                <a:latin typeface="ＭＳ Ｐゴシック"/>
+                <a:ea typeface="ＭＳ Ｐゴシック"/>
+              </a:rPr>
               <a:t>基本的な概念の整理</a:t>
             </a:r>
           </a:p>
@@ -3562,6 +3594,10 @@
                         </a:defRPr>
                       </a:pPr>
                       <a:r>
+                        <a:rPr lang="ja-JP" dirty="0">
+                          <a:latin typeface="ＭＳ Ｐゴシック"/>
+                          <a:ea typeface="ＭＳ Ｐゴシック"/>
+                        </a:rPr>
                         <a:t>用語</a:t>
                       </a:r>
                     </a:p>
@@ -3585,6 +3621,10 @@
                         </a:defRPr>
                       </a:pPr>
                       <a:r>
+                        <a:rPr lang="ja-JP" dirty="0">
+                          <a:latin typeface="ＭＳ Ｐゴシック"/>
+                          <a:ea typeface="ＭＳ Ｐゴシック"/>
+                        </a:rPr>
                         <a:t>定義</a:t>
                       </a:r>
                     </a:p>
@@ -3610,6 +3650,10 @@
                         </a:defRPr>
                       </a:pPr>
                       <a:r>
+                        <a:rPr lang="ja-JP" dirty="0">
+                          <a:latin typeface="ＭＳ Ｐゴシック"/>
+                          <a:ea typeface="ＭＳ Ｐゴシック"/>
+                        </a:rPr>
                         <a:t>知的財産</a:t>
                       </a:r>
                     </a:p>
@@ -3633,6 +3677,10 @@
                         </a:defRPr>
                       </a:pPr>
                       <a:r>
+                        <a:rPr lang="ja-JP" dirty="0">
+                          <a:latin typeface="ＭＳ Ｐゴシック"/>
+                          <a:ea typeface="ＭＳ Ｐゴシック"/>
+                        </a:rPr>
                         <a:t>人が作ったものを保護するためのもの</a:t>
                       </a:r>
                     </a:p>
@@ -3658,6 +3706,10 @@
                         </a:defRPr>
                       </a:pPr>
                       <a:r>
+                        <a:rPr lang="ja-JP" dirty="0">
+                          <a:latin typeface="ＭＳ Ｐゴシック"/>
+                          <a:ea typeface="ＭＳ Ｐゴシック"/>
+                        </a:rPr>
                         <a:t>財産</a:t>
                       </a:r>
                     </a:p>
@@ -3681,6 +3733,10 @@
                         </a:defRPr>
                       </a:pPr>
                       <a:r>
+                        <a:rPr lang="ja-JP" dirty="0">
+                          <a:latin typeface="ＭＳ Ｐゴシック"/>
+                          <a:ea typeface="ＭＳ Ｐゴシック"/>
+                        </a:rPr>
                         <a:t>経済的に価値ある創造物</a:t>
                       </a:r>
                     </a:p>
@@ -3706,6 +3762,10 @@
                         </a:defRPr>
                       </a:pPr>
                       <a:r>
+                        <a:rPr lang="ja-JP" dirty="0">
+                          <a:latin typeface="ＭＳ Ｐゴシック"/>
+                          <a:ea typeface="ＭＳ Ｐゴシック"/>
+                        </a:rPr>
                         <a:t>財産権</a:t>
                       </a:r>
                     </a:p>
@@ -3729,6 +3789,10 @@
                         </a:defRPr>
                       </a:pPr>
                       <a:r>
+                        <a:rPr lang="ja-JP" dirty="0">
+                          <a:latin typeface="ＭＳ Ｐゴシック"/>
+                          <a:ea typeface="ＭＳ Ｐゴシック"/>
+                        </a:rPr>
                         <a:t>経済的な利益を得る権利</a:t>
                       </a:r>
                     </a:p>
@@ -3835,6 +3899,10 @@
               </a:defRPr>
             </a:pPr>
             <a:r>
+              <a:rPr lang="ja-JP" dirty="0">
+                <a:latin typeface="ＭＳ Ｐゴシック"/>
+                <a:ea typeface="ＭＳ Ｐゴシック"/>
+              </a:rPr>
               <a:t>なぜ知的財産権が必要なのか？</a:t>
             </a:r>
           </a:p>
@@ -3870,6 +3938,10 @@
               </a:defRPr>
             </a:pPr>
             <a:r>
+              <a:rPr lang="ja-JP" dirty="0">
+                <a:latin typeface="ＭＳ Ｐゴシック"/>
+                <a:ea typeface="ＭＳ Ｐゴシック"/>
+              </a:rPr>
               <a:t>もし知的財産権がなかったら...</a:t>
             </a:r>
           </a:p>
@@ -3974,6 +4046,10 @@
               </a:defRPr>
             </a:pPr>
             <a:r>
+              <a:rPr lang="ja-JP" dirty="0">
+                <a:latin typeface="ＭＳ Ｐゴシック"/>
+                <a:ea typeface="ＭＳ Ｐゴシック"/>
+              </a:rPr>
               <a:t>知的財産権がない場合の問題</a:t>
             </a:r>
           </a:p>
@@ -4052,6 +4128,10 @@
               </a:defRPr>
             </a:pPr>
             <a:r>
+              <a:rPr lang="ja-JP" dirty="0">
+                <a:latin typeface="ＭＳ Ｐゴシック"/>
+                <a:ea typeface="ＭＳ Ｐゴシック"/>
+              </a:rPr>
               <a:t>問題点</a:t>
             </a:r>
           </a:p>
@@ -4087,6 +4167,10 @@
               </a:defRPr>
             </a:pPr>
             <a:r>
+              <a:rPr lang="ja-JP" dirty="0">
+                <a:latin typeface="ＭＳ Ｐゴシック"/>
+                <a:ea typeface="ＭＳ Ｐゴシック"/>
+              </a:rPr>
               <a:t>✕  自分が作ったものを無断で使用される</a:t>
             </a:r>
           </a:p>
@@ -4122,6 +4206,10 @@
               </a:defRPr>
             </a:pPr>
             <a:r>
+              <a:rPr lang="ja-JP" dirty="0">
+                <a:latin typeface="ＭＳ Ｐゴシック"/>
+                <a:ea typeface="ＭＳ Ｐゴシック"/>
+              </a:rPr>
               <a:t>✕  創作者が不利益を被る</a:t>
             </a:r>
           </a:p>
@@ -4157,6 +4245,10 @@
               </a:defRPr>
             </a:pPr>
             <a:r>
+              <a:rPr lang="ja-JP" dirty="0">
+                <a:latin typeface="ＭＳ Ｐゴシック"/>
+                <a:ea typeface="ＭＳ Ｐゴシック"/>
+              </a:rPr>
               <a:t>✕  創作意欲の低下</a:t>
             </a:r>
           </a:p>
@@ -4192,6 +4284,10 @@
               </a:defRPr>
             </a:pPr>
             <a:r>
+              <a:rPr lang="ja-JP" dirty="0">
+                <a:latin typeface="ＭＳ Ｐゴシック"/>
+                <a:ea typeface="ＭＳ Ｐゴシック"/>
+              </a:rPr>
               <a:t>✕  技術革新の停滞</a:t>
             </a:r>
           </a:p>
@@ -4270,6 +4366,10 @@
               </a:defRPr>
             </a:pPr>
             <a:r>
+              <a:rPr lang="ja-JP" dirty="0">
+                <a:latin typeface="ＭＳ Ｐゴシック"/>
+                <a:ea typeface="ＭＳ Ｐゴシック"/>
+              </a:rPr>
               <a:t>結果</a:t>
             </a:r>
           </a:p>
@@ -4305,14 +4405,26 @@
               </a:defRPr>
             </a:pPr>
             <a:r>
+              <a:rPr lang="ja-JP" dirty="0">
+                <a:latin typeface="ＭＳ Ｐゴシック"/>
+                <a:ea typeface="ＭＳ Ｐゴシック"/>
+              </a:rPr>
               <a:t>創作者が報われない社会になり、</a:t>
             </a:r>
             <a:br/>
             <a:r>
+              <a:rPr lang="ja-JP" dirty="0">
+                <a:latin typeface="ＭＳ Ｐゴシック"/>
+                <a:ea typeface="ＭＳ Ｐゴシック"/>
+              </a:rPr>
               <a:t>新しいアイデアや技術が</a:t>
             </a:r>
             <a:br/>
             <a:r>
+              <a:rPr lang="ja-JP" dirty="0">
+                <a:latin typeface="ＭＳ Ｐゴシック"/>
+                <a:ea typeface="ＭＳ Ｐゴシック"/>
+              </a:rPr>
               <a:t>生まれにくくなる</a:t>
             </a:r>
           </a:p>
@@ -4417,6 +4529,10 @@
               </a:defRPr>
             </a:pPr>
             <a:r>
+              <a:rPr lang="ja-JP" dirty="0">
+                <a:latin typeface="ＭＳ Ｐゴシック"/>
+                <a:ea typeface="ＭＳ Ｐゴシック"/>
+              </a:rPr>
               <a:t>知的財産権がある場合の効果</a:t>
             </a:r>
           </a:p>
@@ -4495,6 +4611,10 @@
               </a:defRPr>
             </a:pPr>
             <a:r>
+              <a:rPr lang="ja-JP" dirty="0">
+                <a:latin typeface="ＭＳ Ｐゴシック"/>
+                <a:ea typeface="ＭＳ Ｐゴシック"/>
+              </a:rPr>
               <a:t>🛡  法律による保護</a:t>
             </a:r>
           </a:p>
@@ -4530,6 +4650,10 @@
               </a:defRPr>
             </a:pPr>
             <a:r>
+              <a:rPr lang="ja-JP" dirty="0">
+                <a:latin typeface="ＭＳ Ｐゴシック"/>
+                <a:ea typeface="ＭＳ Ｐゴシック"/>
+              </a:rPr>
               <a:t>自分が作ったものが法的に守られる</a:t>
             </a:r>
           </a:p>
@@ -4608,6 +4732,10 @@
               </a:defRPr>
             </a:pPr>
             <a:r>
+              <a:rPr lang="ja-JP" dirty="0">
+                <a:latin typeface="ＭＳ Ｐゴシック"/>
+                <a:ea typeface="ＭＳ Ｐゴシック"/>
+              </a:rPr>
               <a:t>💰  経済的な利益の発生</a:t>
             </a:r>
           </a:p>
@@ -4643,6 +4771,10 @@
               </a:defRPr>
             </a:pPr>
             <a:r>
+              <a:rPr lang="ja-JP" dirty="0">
+                <a:latin typeface="ＭＳ Ｐゴシック"/>
+                <a:ea typeface="ＭＳ Ｐゴシック"/>
+              </a:rPr>
               <a:t>創作活動が正当に評価され、収益を得られる</a:t>
             </a:r>
           </a:p>
@@ -4721,6 +4853,10 @@
               </a:defRPr>
             </a:pPr>
             <a:r>
+              <a:rPr lang="ja-JP" dirty="0">
+                <a:latin typeface="ＭＳ Ｐゴシック"/>
+                <a:ea typeface="ＭＳ Ｐゴシック"/>
+              </a:rPr>
               <a:t>🌍  社会に公開する意義</a:t>
             </a:r>
           </a:p>
@@ -4756,6 +4892,10 @@
               </a:defRPr>
             </a:pPr>
             <a:r>
+              <a:rPr lang="ja-JP" dirty="0">
+                <a:latin typeface="ＭＳ Ｐゴシック"/>
+                <a:ea typeface="ＭＳ Ｐゴシック"/>
+              </a:rPr>
               <a:t>安心して自分の創作物を世の中に公開できる</a:t>
             </a:r>
           </a:p>
@@ -4860,6 +5000,10 @@
               </a:defRPr>
             </a:pPr>
             <a:r>
+              <a:rPr lang="ja-JP" dirty="0">
+                <a:latin typeface="ＭＳ Ｐゴシック"/>
+                <a:ea typeface="ＭＳ Ｐゴシック"/>
+              </a:rPr>
               <a:t>知的財産権の3つの役割</a:t>
             </a:r>
           </a:p>
@@ -4958,6 +5102,10 @@
               </a:defRPr>
             </a:pPr>
             <a:r>
+              <a:rPr lang="ja-JP" dirty="0">
+                <a:latin typeface="ＭＳ Ｐゴシック"/>
+                <a:ea typeface="ＭＳ Ｐゴシック"/>
+              </a:rPr>
               <a:t>1</a:t>
             </a:r>
           </a:p>
@@ -4993,6 +5141,10 @@
               </a:defRPr>
             </a:pPr>
             <a:r>
+              <a:rPr lang="ja-JP" dirty="0">
+                <a:latin typeface="ＭＳ Ｐゴシック"/>
+                <a:ea typeface="ＭＳ Ｐゴシック"/>
+              </a:rPr>
               <a:t>保護</a:t>
             </a:r>
           </a:p>
@@ -5028,6 +5180,10 @@
               </a:defRPr>
             </a:pPr>
             <a:r>
+              <a:rPr lang="ja-JP" dirty="0">
+                <a:latin typeface="ＭＳ Ｐゴシック"/>
+                <a:ea typeface="ＭＳ Ｐゴシック"/>
+              </a:rPr>
               <a:t>創作者の権利を法律で守る</a:t>
             </a:r>
           </a:p>
@@ -5126,6 +5282,10 @@
               </a:defRPr>
             </a:pPr>
             <a:r>
+              <a:rPr lang="ja-JP" dirty="0">
+                <a:latin typeface="ＭＳ Ｐゴシック"/>
+                <a:ea typeface="ＭＳ Ｐゴシック"/>
+              </a:rPr>
               <a:t>2</a:t>
             </a:r>
           </a:p>
@@ -5161,6 +5321,10 @@
               </a:defRPr>
             </a:pPr>
             <a:r>
+              <a:rPr lang="ja-JP" dirty="0">
+                <a:latin typeface="ＭＳ Ｐゴシック"/>
+                <a:ea typeface="ＭＳ Ｐゴシック"/>
+              </a:rPr>
               <a:t>利益</a:t>
             </a:r>
           </a:p>
@@ -5196,6 +5360,10 @@
               </a:defRPr>
             </a:pPr>
             <a:r>
+              <a:rPr lang="ja-JP" dirty="0">
+                <a:latin typeface="ＭＳ Ｐゴシック"/>
+                <a:ea typeface="ＭＳ Ｐゴシック"/>
+              </a:rPr>
               <a:t>経済的な価値を創作者に還元</a:t>
             </a:r>
           </a:p>
@@ -5294,6 +5462,10 @@
               </a:defRPr>
             </a:pPr>
             <a:r>
+              <a:rPr lang="ja-JP" dirty="0">
+                <a:latin typeface="ＭＳ Ｐゴシック"/>
+                <a:ea typeface="ＭＳ Ｐゴシック"/>
+              </a:rPr>
               <a:t>3</a:t>
             </a:r>
           </a:p>
@@ -5329,6 +5501,10 @@
               </a:defRPr>
             </a:pPr>
             <a:r>
+              <a:rPr lang="ja-JP" dirty="0">
+                <a:latin typeface="ＭＳ Ｐゴシック"/>
+                <a:ea typeface="ＭＳ Ｐゴシック"/>
+              </a:rPr>
               <a:t>公開</a:t>
             </a:r>
           </a:p>
@@ -5364,6 +5540,10 @@
               </a:defRPr>
             </a:pPr>
             <a:r>
+              <a:rPr lang="ja-JP" dirty="0">
+                <a:latin typeface="ＭＳ Ｐゴシック"/>
+                <a:ea typeface="ＭＳ Ｐゴシック"/>
+              </a:rPr>
               <a:t>社会全体の発展に貢献</a:t>
             </a:r>
           </a:p>
@@ -5460,6 +5640,10 @@
               </a:defRPr>
             </a:pPr>
             <a:r>
+              <a:rPr lang="ja-JP" dirty="0">
+                <a:latin typeface="ＭＳ Ｐゴシック"/>
+                <a:ea typeface="ＭＳ Ｐゴシック"/>
+              </a:rPr>
               <a:t>まとめ</a:t>
             </a:r>
           </a:p>
@@ -5495,6 +5679,10 @@
               </a:defRPr>
             </a:pPr>
             <a:r>
+              <a:rPr lang="ja-JP" dirty="0">
+                <a:latin typeface="ＭＳ Ｐゴシック"/>
+                <a:ea typeface="ＭＳ Ｐゴシック"/>
+              </a:rPr>
               <a:t>▶  創作者の権利を守り</a:t>
             </a:r>
           </a:p>
@@ -5530,6 +5718,10 @@
               </a:defRPr>
             </a:pPr>
             <a:r>
+              <a:rPr lang="ja-JP" dirty="0">
+                <a:latin typeface="ＭＳ Ｐゴシック"/>
+                <a:ea typeface="ＭＳ Ｐゴシック"/>
+              </a:rPr>
               <a:t>▶  経済的な利益を保証することで</a:t>
             </a:r>
           </a:p>
@@ -5565,6 +5757,10 @@
               </a:defRPr>
             </a:pPr>
             <a:r>
+              <a:rPr lang="ja-JP" dirty="0">
+                <a:latin typeface="ＭＳ Ｐゴシック"/>
+                <a:ea typeface="ＭＳ Ｐゴシック"/>
+              </a:rPr>
               <a:t>▶  社会の発展を促進する重要な制度です</a:t>
             </a:r>
           </a:p>
@@ -5661,6 +5857,10 @@
               </a:defRPr>
             </a:pPr>
             <a:r>
+              <a:rPr lang="ja-JP" dirty="0">
+                <a:latin typeface="ＭＳ Ｐゴシック"/>
+                <a:ea typeface="ＭＳ Ｐゴシック"/>
+              </a:rPr>
               <a:t>ありがとうございました</a:t>
             </a:r>
           </a:p>
@@ -5696,6 +5896,10 @@
               </a:defRPr>
             </a:pPr>
             <a:r>
+              <a:rPr lang="ja-JP" dirty="0">
+                <a:latin typeface="ＭＳ Ｐゴシック"/>
+                <a:ea typeface="ＭＳ Ｐゴシック"/>
+              </a:rPr>
               <a:t>質問はありますか？</a:t>
             </a:r>
           </a:p>
@@ -5752,7 +5956,7 @@
     </a:clrScheme>
     <a:fontScheme name="Office">
       <a:majorFont>
-        <a:latin typeface="Calibri"/>
+        <a:latin typeface="ＭＳ Ｐゴシック"/>
         <a:ea typeface=""/>
         <a:cs typeface=""/>
         <a:font script="Jpan" typeface="ＭＳ Ｐゴシック"/>
@@ -5787,7 +5991,7 @@
         <a:font script="Geor" typeface="Sylfaen"/>
       </a:majorFont>
       <a:minorFont>
-        <a:latin typeface="Calibri"/>
+        <a:latin typeface="ＭＳ Ｐゴシック"/>
         <a:ea typeface=""/>
         <a:cs typeface=""/>
         <a:font script="Jpan" typeface="ＭＳ Ｐゴシック"/>
